--- a/Singing Basics 02-03-18/SInging Basics.pptx
+++ b/Singing Basics 02-03-18/SInging Basics.pptx
@@ -15,13 +15,13 @@
     <p:sldId id="259" r:id="rId4"/>
     <p:sldId id="267" r:id="rId5"/>
     <p:sldId id="274" r:id="rId6"/>
-    <p:sldId id="273" r:id="rId7"/>
+    <p:sldId id="272" r:id="rId7"/>
     <p:sldId id="271" r:id="rId8"/>
     <p:sldId id="276" r:id="rId9"/>
-    <p:sldId id="270" r:id="rId10"/>
-    <p:sldId id="268" r:id="rId11"/>
-    <p:sldId id="275" r:id="rId12"/>
-    <p:sldId id="272" r:id="rId13"/>
+    <p:sldId id="268" r:id="rId10"/>
+    <p:sldId id="275" r:id="rId11"/>
+    <p:sldId id="270" r:id="rId12"/>
+    <p:sldId id="273" r:id="rId13"/>
     <p:sldId id="269" r:id="rId14"/>
   </p:sldIdLst>
   <p:sldSz cx="12192000" cy="6858000"/>
@@ -218,7 +218,7 @@
           <a:p>
             <a:fld id="{A86409B0-8AC5-4972-B928-B810ED7C4C64}" type="datetimeFigureOut">
               <a:rPr lang="en-US" smtClean="0"/>
-              <a:t>2/2/2018</a:t>
+              <a:t>2/3/2018</a:t>
             </a:fld>
             <a:endParaRPr lang="en-US"/>
           </a:p>
@@ -383,7 +383,7 @@
           <a:p>
             <a:fld id="{39C9F228-FD28-4486-B12E-CC8CCDA7B98E}" type="datetimeFigureOut">
               <a:rPr lang="en-US" smtClean="0"/>
-              <a:t>2/2/2018</a:t>
+              <a:t>2/3/2018</a:t>
             </a:fld>
             <a:endParaRPr lang="en-US"/>
           </a:p>
@@ -949,7 +949,7 @@
           <a:p>
             <a:fld id="{F077BB9F-04DD-4BEC-B746-E3998C50229B}" type="datetime1">
               <a:rPr lang="en-US" smtClean="0"/>
-              <a:t>2/2/2018</a:t>
+              <a:t>2/3/2018</a:t>
             </a:fld>
             <a:endParaRPr lang="en-US"/>
           </a:p>
@@ -1197,7 +1197,7 @@
           <a:p>
             <a:fld id="{5B784123-CFCC-4353-8B30-DE0CCE4E62CF}" type="datetime1">
               <a:rPr lang="en-US" smtClean="0"/>
-              <a:t>2/2/2018</a:t>
+              <a:t>2/3/2018</a:t>
             </a:fld>
             <a:endParaRPr lang="en-US"/>
           </a:p>
@@ -1377,7 +1377,7 @@
           <a:p>
             <a:fld id="{061C3574-5682-4D4A-B7D7-D09D32527D76}" type="datetime1">
               <a:rPr lang="en-US" smtClean="0"/>
-              <a:t>2/2/2018</a:t>
+              <a:t>2/3/2018</a:t>
             </a:fld>
             <a:endParaRPr lang="en-US"/>
           </a:p>
@@ -2603,7 +2603,7 @@
           <a:p>
             <a:fld id="{3EF55E9A-42F9-486F-9660-92EBA8EB8FE1}" type="datetime1">
               <a:rPr lang="en-US" smtClean="0"/>
-              <a:t>2/2/2018</a:t>
+              <a:t>2/3/2018</a:t>
             </a:fld>
             <a:endParaRPr lang="en-US"/>
           </a:p>
@@ -2975,7 +2975,7 @@
           <a:p>
             <a:fld id="{B7532E85-1C3E-47BF-9080-3288461E28F3}" type="datetime1">
               <a:rPr lang="en-US" smtClean="0"/>
-              <a:t>2/2/2018</a:t>
+              <a:t>2/3/2018</a:t>
             </a:fld>
             <a:endParaRPr lang="en-US"/>
           </a:p>
@@ -3104,7 +3104,7 @@
           <a:p>
             <a:fld id="{A61D36C9-2413-4908-B4FF-B601868ED00B}" type="datetime1">
               <a:rPr lang="en-US" smtClean="0"/>
-              <a:t>2/2/2018</a:t>
+              <a:t>2/3/2018</a:t>
             </a:fld>
             <a:endParaRPr lang="en-US"/>
           </a:p>
@@ -3871,7 +3871,7 @@
           <a:p>
             <a:fld id="{D1A10925-201A-4743-8853-90813EDB94FD}" type="datetime1">
               <a:rPr lang="en-US" smtClean="0"/>
-              <a:t>2/2/2018</a:t>
+              <a:t>2/3/2018</a:t>
             </a:fld>
             <a:endParaRPr lang="en-US"/>
           </a:p>
@@ -4158,7 +4158,7 @@
           <a:p>
             <a:fld id="{8029BC20-88B9-463E-BD09-C473B6CD8F2E}" type="datetime1">
               <a:rPr lang="en-US" smtClean="0"/>
-              <a:t>2/2/2018</a:t>
+              <a:t>2/3/2018</a:t>
             </a:fld>
             <a:endParaRPr lang="en-US"/>
           </a:p>
@@ -5268,7 +5268,7 @@
           <a:p>
             <a:fld id="{FDB05499-8E1A-487C-B00A-20F31C550463}" type="datetime1">
               <a:rPr lang="en-US" smtClean="0"/>
-              <a:t>2/2/2018</a:t>
+              <a:t>2/3/2018</a:t>
             </a:fld>
             <a:endParaRPr lang="en-US"/>
           </a:p>
@@ -5838,82 +5838,97 @@
           <a:p>
             <a:r>
               <a:rPr lang="en-US" dirty="0"/>
-              <a:t>Head Voice</a:t>
-            </a:r>
-          </a:p>
-        </p:txBody>
-      </p:sp>
-      <p:sp>
-        <p:nvSpPr>
-          <p:cNvPr id="4" name="Text Placeholder 3"/>
-          <p:cNvSpPr>
-            <a:spLocks noGrp="1"/>
-          </p:cNvSpPr>
-          <p:nvPr>
-            <p:ph type="body" sz="half" idx="2"/>
-          </p:nvPr>
-        </p:nvSpPr>
-        <p:spPr>
-          <a:xfrm>
-            <a:off x="1371600" y="1905000"/>
-            <a:ext cx="9448799" cy="4419600"/>
-          </a:xfrm>
-        </p:spPr>
+              <a:t>Warm Up </a:t>
+            </a:r>
+            <a:r>
+              <a:rPr lang="en-US" dirty="0" err="1"/>
+              <a:t>Excercises</a:t>
+            </a:r>
+            <a:endParaRPr lang="en-US" dirty="0"/>
+          </a:p>
+        </p:txBody>
+      </p:sp>
+      <p:sp>
+        <p:nvSpPr>
+          <p:cNvPr id="3" name="Content Placeholder 2"/>
+          <p:cNvSpPr>
+            <a:spLocks noGrp="1"/>
+          </p:cNvSpPr>
+          <p:nvPr>
+            <p:ph idx="1"/>
+          </p:nvPr>
+        </p:nvSpPr>
+        <p:spPr/>
         <p:txBody>
           <a:bodyPr/>
           <a:lstStyle/>
           <a:p>
             <a:r>
               <a:rPr lang="en-US" dirty="0"/>
-              <a:t>Higher range – Sounds breathy, weaker, and thinner</a:t>
-            </a:r>
-          </a:p>
-          <a:p>
-            <a:pPr marL="342900" indent="-342900">
-              <a:buFont typeface="Arial" panose="020B0604020202020204" pitchFamily="34" charset="0"/>
-              <a:buChar char="•"/>
-            </a:pPr>
+              <a:t>Shake it off – Release your tension</a:t>
+            </a:r>
+          </a:p>
+          <a:p>
             <a:r>
               <a:rPr lang="en-US" dirty="0"/>
-              <a:t>Buzzing on top of head or near your eyes and nose</a:t>
-            </a:r>
-          </a:p>
-          <a:p>
-            <a:endParaRPr lang="en-US" dirty="0"/>
+              <a:t>Stretch out your tongue</a:t>
+            </a:r>
           </a:p>
           <a:p>
             <a:r>
               <a:rPr lang="en-US" dirty="0"/>
-              <a:t>Do a pre yawn stretch – Practice with “Nor, Nor, Nor”</a:t>
-            </a:r>
-          </a:p>
-          <a:p>
-            <a:endParaRPr lang="en-US" dirty="0"/>
-          </a:p>
-          <a:p>
-            <a:endParaRPr lang="en-US" dirty="0"/>
-          </a:p>
-          <a:p>
-            <a:endParaRPr lang="en-US" dirty="0"/>
-          </a:p>
-          <a:p>
-            <a:endParaRPr lang="en-US" dirty="0"/>
+              <a:t>Bubbles over the hill – low, medium, high then the whole range</a:t>
+            </a:r>
           </a:p>
           <a:p>
             <a:r>
               <a:rPr lang="en-US" dirty="0"/>
-              <a:t>Middle voice – In between chest voice and head voice</a:t>
-            </a:r>
-          </a:p>
-          <a:p>
-            <a:endParaRPr lang="en-US" dirty="0"/>
+              <a:t>Ring for resonance – Mm </a:t>
+            </a:r>
+            <a:r>
+              <a:rPr lang="en-US" dirty="0" err="1"/>
+              <a:t>Mmm</a:t>
+            </a:r>
+            <a:r>
+              <a:rPr lang="en-US" dirty="0"/>
+              <a:t> over the hill</a:t>
+            </a:r>
+          </a:p>
+          <a:p>
+            <a:r>
+              <a:rPr lang="en-US" dirty="0"/>
+              <a:t>Perform a scale with Go, Gee, Ga, Goo – G opens the throat + plus vowels sounds</a:t>
+            </a:r>
+          </a:p>
+          <a:p>
+            <a:r>
+              <a:rPr lang="en-US" dirty="0" err="1"/>
+              <a:t>Lazify</a:t>
+            </a:r>
+            <a:r>
+              <a:rPr lang="en-US" dirty="0"/>
+              <a:t> your jaw and tongue – blah, blah, blah </a:t>
+            </a:r>
+          </a:p>
+          <a:p>
+            <a:pPr lvl="1"/>
+            <a:r>
+              <a:rPr lang="en-US" dirty="0"/>
+              <a:t>Stick out your tongue  like the doctor</a:t>
+            </a:r>
+          </a:p>
+          <a:p>
+            <a:r>
+              <a:rPr lang="en-US" dirty="0"/>
+              <a:t>Opera over the hill – Siren – NG sound</a:t>
+            </a:r>
           </a:p>
         </p:txBody>
       </p:sp>
     </p:spTree>
     <p:extLst>
       <p:ext uri="{BB962C8B-B14F-4D97-AF65-F5344CB8AC3E}">
-        <p14:creationId xmlns:p14="http://schemas.microsoft.com/office/powerpoint/2010/main" val="2799566837"/>
+        <p14:creationId xmlns:p14="http://schemas.microsoft.com/office/powerpoint/2010/main" val="1103378556"/>
       </p:ext>
     </p:extLst>
   </p:cSld>
@@ -5969,7 +5984,7 @@
           <a:p>
             <a:r>
               <a:rPr lang="en-US" dirty="0"/>
-              <a:t>Terminology</a:t>
+              <a:t>Practice</a:t>
             </a:r>
           </a:p>
         </p:txBody>
@@ -5996,29 +6011,25 @@
           <a:p>
             <a:r>
               <a:rPr lang="en-US" dirty="0"/>
-              <a:t>Vibrato – Slight rapid variation of pitch when singing a note</a:t>
+              <a:t>Find a coach you like on YouTube</a:t>
             </a:r>
           </a:p>
           <a:p>
             <a:r>
               <a:rPr lang="en-US" dirty="0"/>
-              <a:t>Resonance  - Deep and full sound </a:t>
+              <a:t>Practice the scales they teach you</a:t>
             </a:r>
           </a:p>
           <a:p>
             <a:r>
               <a:rPr lang="en-US" dirty="0"/>
-              <a:t>Descending Major Triad – Chord used when practicing a scale</a:t>
-            </a:r>
-          </a:p>
-          <a:p>
-            <a:r>
-              <a:rPr lang="en-US" dirty="0" err="1"/>
-              <a:t>Decending</a:t>
-            </a:r>
+              <a:t>Find your favorite music artist in your range</a:t>
+            </a:r>
+          </a:p>
+          <a:p>
             <a:r>
               <a:rPr lang="en-US" dirty="0"/>
-              <a:t>/Ascending Arpeggio Scale – Chords played in succession </a:t>
+              <a:t>Practice Happy Birthday </a:t>
             </a:r>
           </a:p>
           <a:p>
@@ -6029,7 +6040,7 @@
     </p:spTree>
     <p:extLst>
       <p:ext uri="{BB962C8B-B14F-4D97-AF65-F5344CB8AC3E}">
-        <p14:creationId xmlns:p14="http://schemas.microsoft.com/office/powerpoint/2010/main" val="3484834898"/>
+        <p14:creationId xmlns:p14="http://schemas.microsoft.com/office/powerpoint/2010/main" val="4289189594"/>
       </p:ext>
     </p:extLst>
   </p:cSld>
@@ -6196,7 +6207,9 @@
         </p:nvSpPr>
         <p:spPr/>
         <p:txBody>
-          <a:bodyPr/>
+          <a:bodyPr>
+            <a:normAutofit lnSpcReduction="10000"/>
+          </a:bodyPr>
           <a:lstStyle/>
           <a:p>
             <a:r>
@@ -6207,7 +6220,7 @@
           <a:p>
             <a:r>
               <a:rPr lang="en-US" dirty="0"/>
-              <a:t>When can I find the time</a:t>
+              <a:t>When can I find time</a:t>
             </a:r>
           </a:p>
           <a:p>
@@ -6219,7 +6232,13 @@
           <a:p>
             <a:r>
               <a:rPr lang="en-US" dirty="0"/>
-              <a:t>Heath &amp; Posture</a:t>
+              <a:t>Terminology</a:t>
+            </a:r>
+          </a:p>
+          <a:p>
+            <a:r>
+              <a:rPr lang="en-US" dirty="0"/>
+              <a:t>Health &amp; Posture</a:t>
             </a:r>
           </a:p>
           <a:p>
@@ -6231,12 +6250,6 @@
           <a:p>
             <a:r>
               <a:rPr lang="en-US" dirty="0"/>
-              <a:t>Warm Up Exercises</a:t>
-            </a:r>
-          </a:p>
-          <a:p>
-            <a:r>
-              <a:rPr lang="en-US" dirty="0"/>
               <a:t>Chest Voice</a:t>
             </a:r>
           </a:p>
@@ -6244,6 +6257,18 @@
             <a:r>
               <a:rPr lang="en-US" dirty="0"/>
               <a:t>Head Voice</a:t>
+            </a:r>
+          </a:p>
+          <a:p>
+            <a:r>
+              <a:rPr lang="en-US" dirty="0"/>
+              <a:t>Warm Up Exercises</a:t>
+            </a:r>
+          </a:p>
+          <a:p>
+            <a:r>
+              <a:rPr lang="en-US" dirty="0"/>
+              <a:t>Practice</a:t>
             </a:r>
           </a:p>
         </p:txBody>
@@ -6674,6 +6699,12 @@
           <a:p>
             <a:r>
               <a:rPr lang="en-US" dirty="0"/>
+              <a:t>You’ll only need 2-5 minutes a day. Don’t recommend over 60 minutes a day.</a:t>
+            </a:r>
+          </a:p>
+          <a:p>
+            <a:r>
+              <a:rPr lang="en-US" dirty="0"/>
               <a:t>Sing in the shower or the car</a:t>
             </a:r>
           </a:p>
@@ -6681,6 +6712,12 @@
             <a:r>
               <a:rPr lang="en-US" dirty="0"/>
               <a:t>Sing to your children</a:t>
+            </a:r>
+          </a:p>
+          <a:p>
+            <a:r>
+              <a:rPr lang="en-US" dirty="0"/>
+              <a:t>Join a choir</a:t>
             </a:r>
           </a:p>
           <a:p>
@@ -6764,7 +6801,7 @@
           <a:p>
             <a:r>
               <a:rPr lang="en-US" dirty="0"/>
-              <a:t>Where to start</a:t>
+              <a:t>Terminology</a:t>
             </a:r>
           </a:p>
         </p:txBody>
@@ -6791,25 +6828,29 @@
           <a:p>
             <a:r>
               <a:rPr lang="en-US" dirty="0"/>
-              <a:t>Find a coach you like on YouTube</a:t>
+              <a:t>Vibrato – Slight rapid variation of pitch when singing a note</a:t>
             </a:r>
           </a:p>
           <a:p>
             <a:r>
               <a:rPr lang="en-US" dirty="0"/>
-              <a:t>Practice the scales they teach you</a:t>
+              <a:t>Resonance  - Deep and full sound </a:t>
             </a:r>
           </a:p>
           <a:p>
             <a:r>
               <a:rPr lang="en-US" dirty="0"/>
-              <a:t>Find your favorite music artist in your range</a:t>
-            </a:r>
-          </a:p>
-          <a:p>
+              <a:t>Descending Major Triad – Chord used when practicing a scale</a:t>
+            </a:r>
+          </a:p>
+          <a:p>
+            <a:r>
+              <a:rPr lang="en-US" dirty="0" err="1"/>
+              <a:t>Decending</a:t>
+            </a:r>
             <a:r>
               <a:rPr lang="en-US" dirty="0"/>
-              <a:t>Practice Happy Birthday </a:t>
+              <a:t>/Ascending Arpeggio Scale – Chords played in succession </a:t>
             </a:r>
           </a:p>
           <a:p>
@@ -6820,7 +6861,7 @@
     </p:spTree>
     <p:extLst>
       <p:ext uri="{BB962C8B-B14F-4D97-AF65-F5344CB8AC3E}">
-        <p14:creationId xmlns:p14="http://schemas.microsoft.com/office/powerpoint/2010/main" val="4289189594"/>
+        <p14:creationId xmlns:p14="http://schemas.microsoft.com/office/powerpoint/2010/main" val="3484834898"/>
       </p:ext>
     </p:extLst>
   </p:cSld>
@@ -6925,7 +6966,7 @@
           <a:p>
             <a:r>
               <a:rPr lang="en-US" dirty="0"/>
-              <a:t>Stretch out your tongue</a:t>
+              <a:t>Learn about your tongue</a:t>
             </a:r>
           </a:p>
           <a:p>
@@ -7099,7 +7140,7 @@
             </a:pPr>
             <a:r>
               <a:rPr lang="en-US" dirty="0"/>
-              <a:t>Try Yoga - box breathing (5 seconds in, hold 5 seconds, 5 seconds out, hold five seconds) repeat 5 times. Increate the time and </a:t>
+              <a:t>Try Yoga or Mediation - box breathing (5 seconds in, hold 5 seconds, 5 seconds out, hold five seconds) repeat 5 times. Increate the time and </a:t>
             </a:r>
             <a:r>
               <a:rPr lang="en-US" dirty="0" err="1"/>
@@ -7177,96 +7218,111 @@
           <a:p>
             <a:r>
               <a:rPr lang="en-US" dirty="0"/>
-              <a:t>Warm Up </a:t>
-            </a:r>
-            <a:r>
-              <a:rPr lang="en-US" dirty="0" err="1"/>
-              <a:t>Excercises</a:t>
-            </a:r>
+              <a:t>Chest Voice</a:t>
+            </a:r>
+          </a:p>
+        </p:txBody>
+      </p:sp>
+      <p:sp>
+        <p:nvSpPr>
+          <p:cNvPr id="4" name="Text Placeholder 3"/>
+          <p:cNvSpPr>
+            <a:spLocks noGrp="1"/>
+          </p:cNvSpPr>
+          <p:nvPr>
+            <p:ph type="body" sz="half" idx="2"/>
+          </p:nvPr>
+        </p:nvSpPr>
+        <p:spPr>
+          <a:xfrm>
+            <a:off x="1371600" y="1905000"/>
+            <a:ext cx="9448799" cy="4419600"/>
+          </a:xfrm>
+        </p:spPr>
+        <p:txBody>
+          <a:bodyPr>
+            <a:normAutofit/>
+          </a:bodyPr>
+          <a:lstStyle/>
+          <a:p>
+            <a:r>
+              <a:rPr lang="en-US" dirty="0"/>
+              <a:t>Regular voice we use when speaking – Lower range (La, La, La, La, La)</a:t>
+            </a:r>
+          </a:p>
+          <a:p>
+            <a:pPr marL="342900" indent="-342900">
+              <a:buFont typeface="Arial" panose="020B0604020202020204" pitchFamily="34" charset="0"/>
+              <a:buChar char="•"/>
+            </a:pPr>
+            <a:r>
+              <a:rPr lang="en-US" dirty="0"/>
+              <a:t>Feel vibration in chest</a:t>
+            </a:r>
+          </a:p>
+          <a:p>
             <a:endParaRPr lang="en-US" dirty="0"/>
           </a:p>
-        </p:txBody>
-      </p:sp>
-      <p:sp>
-        <p:nvSpPr>
-          <p:cNvPr id="3" name="Content Placeholder 2"/>
-          <p:cNvSpPr>
-            <a:spLocks noGrp="1"/>
-          </p:cNvSpPr>
-          <p:nvPr>
-            <p:ph idx="1"/>
-          </p:nvPr>
-        </p:nvSpPr>
-        <p:spPr/>
-        <p:txBody>
-          <a:bodyPr/>
-          <a:lstStyle/>
           <a:p>
             <a:r>
               <a:rPr lang="en-US" dirty="0"/>
-              <a:t>Shake it off – Release your tension</a:t>
-            </a:r>
-          </a:p>
-          <a:p>
+              <a:t>It’s not about pushing; it’s about support</a:t>
+            </a:r>
+          </a:p>
+          <a:p>
+            <a:pPr marL="342900" indent="-342900">
+              <a:buFont typeface="Arial" panose="020B0604020202020204" pitchFamily="34" charset="0"/>
+              <a:buChar char="•"/>
+            </a:pPr>
             <a:r>
               <a:rPr lang="en-US" dirty="0"/>
-              <a:t>Bubbles over the hill – low, medium, high then the whole range</a:t>
-            </a:r>
+              <a:t>Constricts your throat</a:t>
+            </a:r>
+          </a:p>
+          <a:p>
+            <a:endParaRPr lang="en-US" dirty="0"/>
           </a:p>
           <a:p>
             <a:r>
               <a:rPr lang="en-US" dirty="0"/>
-              <a:t>Ring for resonance – Mm </a:t>
-            </a:r>
-            <a:r>
-              <a:rPr lang="en-US" dirty="0" err="1"/>
-              <a:t>Mmm</a:t>
-            </a:r>
+              <a:t>It’s not about louder; it’s about resonance </a:t>
+            </a:r>
+          </a:p>
+          <a:p>
+            <a:pPr marL="342900" indent="-342900">
+              <a:buFont typeface="Arial" panose="020B0604020202020204" pitchFamily="34" charset="0"/>
+              <a:buChar char="•"/>
+            </a:pPr>
             <a:r>
               <a:rPr lang="en-US" dirty="0"/>
-              <a:t> over the hill</a:t>
-            </a:r>
-          </a:p>
-          <a:p>
+              <a:t>Strained and pitchy</a:t>
+            </a:r>
+          </a:p>
+          <a:p>
+            <a:pPr marL="342900" indent="-342900">
+              <a:buFont typeface="Arial" panose="020B0604020202020204" pitchFamily="34" charset="0"/>
+              <a:buChar char="•"/>
+            </a:pPr>
             <a:r>
               <a:rPr lang="en-US" dirty="0"/>
-              <a:t>Perform a scale with Go, Gee, Ga, Goo – G opens the throat + </a:t>
-            </a:r>
-            <a:r>
-              <a:rPr lang="en-US"/>
-              <a:t>plus vowels</a:t>
-            </a:r>
+              <a:t>Sound like your shouting</a:t>
+            </a:r>
+          </a:p>
+          <a:p>
             <a:endParaRPr lang="en-US" dirty="0"/>
           </a:p>
           <a:p>
-            <a:r>
-              <a:rPr lang="en-US" dirty="0" err="1"/>
-              <a:t>Lazify</a:t>
-            </a:r>
-            <a:r>
-              <a:rPr lang="en-US" dirty="0"/>
-              <a:t> your jaw and tongue – blah, blah, blah </a:t>
-            </a:r>
-          </a:p>
-          <a:p>
-            <a:pPr lvl="1"/>
-            <a:r>
-              <a:rPr lang="en-US" dirty="0"/>
-              <a:t>Stick out your tongue  like the doctor</a:t>
-            </a:r>
-          </a:p>
-          <a:p>
-            <a:r>
-              <a:rPr lang="en-US" dirty="0"/>
-              <a:t>Opera over the hill</a:t>
-            </a:r>
+            <a:endParaRPr lang="en-US" dirty="0"/>
+          </a:p>
+          <a:p>
+            <a:endParaRPr lang="en-US" dirty="0"/>
           </a:p>
         </p:txBody>
       </p:sp>
     </p:spTree>
     <p:extLst>
       <p:ext uri="{BB962C8B-B14F-4D97-AF65-F5344CB8AC3E}">
-        <p14:creationId xmlns:p14="http://schemas.microsoft.com/office/powerpoint/2010/main" val="1103378556"/>
+        <p14:creationId xmlns:p14="http://schemas.microsoft.com/office/powerpoint/2010/main" val="2087868397"/>
       </p:ext>
     </p:extLst>
   </p:cSld>
@@ -7322,7 +7378,7 @@
           <a:p>
             <a:r>
               <a:rPr lang="en-US" dirty="0"/>
-              <a:t>Chest Voice</a:t>
+              <a:t>Head Voice</a:t>
             </a:r>
           </a:p>
         </p:txBody>
@@ -7344,14 +7400,12 @@
           </a:xfrm>
         </p:spPr>
         <p:txBody>
-          <a:bodyPr>
-            <a:normAutofit/>
-          </a:bodyPr>
+          <a:bodyPr/>
           <a:lstStyle/>
           <a:p>
             <a:r>
               <a:rPr lang="en-US" dirty="0"/>
-              <a:t>Regular voice we use when speaking – Lower range (La, La, La, La, La)</a:t>
+              <a:t>Higher range – Sounds breathy, weaker, and thinner</a:t>
             </a:r>
           </a:p>
           <a:p>
@@ -7361,7 +7415,7 @@
             </a:pPr>
             <a:r>
               <a:rPr lang="en-US" dirty="0"/>
-              <a:t>Feel vibration in chest</a:t>
+              <a:t>Buzzing on top of head or near your eyes and nose</a:t>
             </a:r>
           </a:p>
           <a:p>
@@ -7370,53 +7424,29 @@
           <a:p>
             <a:r>
               <a:rPr lang="en-US" dirty="0"/>
-              <a:t>It’s not about pushing; it’s about support</a:t>
-            </a:r>
-          </a:p>
-          <a:p>
-            <a:pPr marL="342900" indent="-342900">
-              <a:buFont typeface="Arial" panose="020B0604020202020204" pitchFamily="34" charset="0"/>
-              <a:buChar char="•"/>
-            </a:pPr>
+              <a:t>Do a pre yawn stretch – Practice with “Nor, Nor, Nor”</a:t>
+            </a:r>
+          </a:p>
+          <a:p>
+            <a:endParaRPr lang="en-US" dirty="0"/>
+          </a:p>
+          <a:p>
             <a:r>
               <a:rPr lang="en-US" dirty="0"/>
-              <a:t>Constricts your throat</a:t>
+              <a:t>Whoop, Whoop, Whoop descending scale</a:t>
             </a:r>
           </a:p>
           <a:p>
             <a:endParaRPr lang="en-US" dirty="0"/>
           </a:p>
           <a:p>
+            <a:endParaRPr lang="en-US" dirty="0"/>
+          </a:p>
+          <a:p>
             <a:r>
               <a:rPr lang="en-US" dirty="0"/>
-              <a:t>It’s not about louder; it’s about resonance </a:t>
-            </a:r>
-          </a:p>
-          <a:p>
-            <a:pPr marL="342900" indent="-342900">
-              <a:buFont typeface="Arial" panose="020B0604020202020204" pitchFamily="34" charset="0"/>
-              <a:buChar char="•"/>
-            </a:pPr>
-            <a:r>
-              <a:rPr lang="en-US" dirty="0"/>
-              <a:t>Strained and pitchy</a:t>
-            </a:r>
-          </a:p>
-          <a:p>
-            <a:pPr marL="342900" indent="-342900">
-              <a:buFont typeface="Arial" panose="020B0604020202020204" pitchFamily="34" charset="0"/>
-              <a:buChar char="•"/>
-            </a:pPr>
-            <a:r>
-              <a:rPr lang="en-US" dirty="0"/>
-              <a:t>Sound like your shouting</a:t>
-            </a:r>
-          </a:p>
-          <a:p>
-            <a:endParaRPr lang="en-US" dirty="0"/>
-          </a:p>
-          <a:p>
-            <a:endParaRPr lang="en-US" dirty="0"/>
+              <a:t>Middle voice – In between chest voice and head voice</a:t>
+            </a:r>
           </a:p>
           <a:p>
             <a:endParaRPr lang="en-US" dirty="0"/>
@@ -7426,7 +7456,7 @@
     </p:spTree>
     <p:extLst>
       <p:ext uri="{BB962C8B-B14F-4D97-AF65-F5344CB8AC3E}">
-        <p14:creationId xmlns:p14="http://schemas.microsoft.com/office/powerpoint/2010/main" val="2087868397"/>
+        <p14:creationId xmlns:p14="http://schemas.microsoft.com/office/powerpoint/2010/main" val="2799566837"/>
       </p:ext>
     </p:extLst>
   </p:cSld>

--- a/Singing Basics 02-03-18/SInging Basics.pptx
+++ b/Singing Basics 02-03-18/SInging Basics.pptx
@@ -5,13 +5,13 @@
     <p:sldMasterId id="2147483648" r:id="rId2"/>
   </p:sldMasterIdLst>
   <p:notesMasterIdLst>
-    <p:notesMasterId r:id="rId15"/>
+    <p:notesMasterId r:id="rId16"/>
   </p:notesMasterIdLst>
   <p:handoutMasterIdLst>
-    <p:handoutMasterId r:id="rId16"/>
+    <p:handoutMasterId r:id="rId17"/>
   </p:handoutMasterIdLst>
   <p:sldIdLst>
-    <p:sldId id="258" r:id="rId3"/>
+    <p:sldId id="277" r:id="rId3"/>
     <p:sldId id="259" r:id="rId4"/>
     <p:sldId id="267" r:id="rId5"/>
     <p:sldId id="274" r:id="rId6"/>
@@ -19,10 +19,11 @@
     <p:sldId id="271" r:id="rId8"/>
     <p:sldId id="276" r:id="rId9"/>
     <p:sldId id="268" r:id="rId10"/>
-    <p:sldId id="275" r:id="rId11"/>
-    <p:sldId id="270" r:id="rId12"/>
-    <p:sldId id="273" r:id="rId13"/>
-    <p:sldId id="269" r:id="rId14"/>
+    <p:sldId id="278" r:id="rId11"/>
+    <p:sldId id="275" r:id="rId12"/>
+    <p:sldId id="270" r:id="rId13"/>
+    <p:sldId id="273" r:id="rId14"/>
+    <p:sldId id="269" r:id="rId15"/>
   </p:sldIdLst>
   <p:sldSz cx="12192000" cy="6858000"/>
   <p:notesSz cx="6858000" cy="9144000"/>
@@ -5737,21 +5738,53 @@
       </p:grpSpPr>
       <p:sp>
         <p:nvSpPr>
-          <p:cNvPr id="2" name="Title 1"/>
-          <p:cNvSpPr>
-            <a:spLocks noGrp="1"/>
-          </p:cNvSpPr>
-          <p:nvPr>
-            <p:ph type="ctrTitle"/>
-          </p:nvPr>
-        </p:nvSpPr>
-        <p:spPr/>
-        <p:txBody>
-          <a:bodyPr/>
-          <a:lstStyle/>
-          <a:p>
-            <a:r>
-              <a:rPr lang="en-US" dirty="0"/>
+          <p:cNvPr id="4" name="Title 1">
+            <a:extLst>
+              <a:ext uri="{FF2B5EF4-FFF2-40B4-BE49-F238E27FC236}">
+                <a16:creationId xmlns:a16="http://schemas.microsoft.com/office/drawing/2014/main" id="{2160EDF0-7CA2-47F1-B065-48D3CC63AAD0}"/>
+              </a:ext>
+            </a:extLst>
+          </p:cNvPr>
+          <p:cNvSpPr txBox="1">
+            <a:spLocks/>
+          </p:cNvSpPr>
+          <p:nvPr/>
+        </p:nvSpPr>
+        <p:spPr>
+          <a:xfrm>
+            <a:off x="7712765" y="1729409"/>
+            <a:ext cx="3975652" cy="2235076"/>
+          </a:xfrm>
+          <a:prstGeom prst="rect">
+            <a:avLst/>
+          </a:prstGeom>
+        </p:spPr>
+        <p:txBody>
+          <a:bodyPr vert="horz" lIns="91440" tIns="45720" rIns="91440" bIns="45720" rtlCol="0" anchor="b">
+            <a:noAutofit/>
+          </a:bodyPr>
+          <a:lstStyle>
+            <a:lvl1pPr algn="l" defTabSz="914400" rtl="0" eaLnBrk="1" latinLnBrk="0" hangingPunct="1">
+              <a:lnSpc>
+                <a:spcPct val="90000"/>
+              </a:lnSpc>
+              <a:spcBef>
+                <a:spcPct val="0"/>
+              </a:spcBef>
+              <a:buNone/>
+              <a:defRPr sz="3200" b="1" kern="1200">
+                <a:solidFill>
+                  <a:schemeClr val="tx1"/>
+                </a:solidFill>
+                <a:latin typeface="+mj-lt"/>
+                <a:ea typeface="+mj-ea"/>
+                <a:cs typeface="+mj-cs"/>
+              </a:defRPr>
+            </a:lvl1pPr>
+          </a:lstStyle>
+          <a:p>
+            <a:r>
+              <a:rPr lang="en-US" sz="4800" dirty="0"/>
               <a:t>Singing Basics</a:t>
             </a:r>
           </a:p>
@@ -5759,30 +5792,257 @@
       </p:sp>
       <p:sp>
         <p:nvSpPr>
-          <p:cNvPr id="3" name="Subtitle 2"/>
-          <p:cNvSpPr>
-            <a:spLocks noGrp="1"/>
-          </p:cNvSpPr>
-          <p:nvPr>
-            <p:ph type="subTitle" idx="1"/>
-          </p:nvPr>
-        </p:nvSpPr>
-        <p:spPr/>
-        <p:txBody>
-          <a:bodyPr/>
-          <a:lstStyle/>
-          <a:p>
-            <a:r>
-              <a:rPr lang="en-US" dirty="0"/>
-              <a:t>Free Knowledge Mission</a:t>
-            </a:r>
-          </a:p>
-        </p:txBody>
-      </p:sp>
+          <p:cNvPr id="5" name="Subtitle 2">
+            <a:extLst>
+              <a:ext uri="{FF2B5EF4-FFF2-40B4-BE49-F238E27FC236}">
+                <a16:creationId xmlns:a16="http://schemas.microsoft.com/office/drawing/2014/main" id="{9F86CF54-D244-4E9B-AD81-BDB1A143AE1D}"/>
+              </a:ext>
+            </a:extLst>
+          </p:cNvPr>
+          <p:cNvSpPr txBox="1">
+            <a:spLocks/>
+          </p:cNvSpPr>
+          <p:nvPr/>
+        </p:nvSpPr>
+        <p:spPr>
+          <a:xfrm>
+            <a:off x="7735956" y="4287079"/>
+            <a:ext cx="3134139" cy="825583"/>
+          </a:xfrm>
+          <a:prstGeom prst="rect">
+            <a:avLst/>
+          </a:prstGeom>
+        </p:spPr>
+        <p:txBody>
+          <a:bodyPr vert="horz" lIns="91440" tIns="45720" rIns="91440" bIns="45720" rtlCol="0">
+            <a:normAutofit/>
+          </a:bodyPr>
+          <a:lstStyle>
+            <a:lvl1pPr marL="228600" indent="-228600" algn="l" defTabSz="914400" rtl="0" eaLnBrk="1" latinLnBrk="0" hangingPunct="1">
+              <a:lnSpc>
+                <a:spcPct val="90000"/>
+              </a:lnSpc>
+              <a:spcBef>
+                <a:spcPts val="1200"/>
+              </a:spcBef>
+              <a:buFont typeface="Arial" panose="020B0604020202020204" pitchFamily="34" charset="0"/>
+              <a:buChar char="•"/>
+              <a:defRPr sz="2200" kern="1200">
+                <a:solidFill>
+                  <a:schemeClr val="tx1"/>
+                </a:solidFill>
+                <a:latin typeface="+mn-lt"/>
+                <a:ea typeface="+mn-ea"/>
+                <a:cs typeface="+mn-cs"/>
+              </a:defRPr>
+            </a:lvl1pPr>
+            <a:lvl2pPr marL="502920" indent="-228600" algn="l" defTabSz="914400" rtl="0" eaLnBrk="1" latinLnBrk="0" hangingPunct="1">
+              <a:lnSpc>
+                <a:spcPct val="90000"/>
+              </a:lnSpc>
+              <a:spcBef>
+                <a:spcPts val="800"/>
+              </a:spcBef>
+              <a:buFont typeface="Arial" panose="020B0604020202020204" pitchFamily="34" charset="0"/>
+              <a:buChar char="•"/>
+              <a:defRPr sz="2000" kern="1200">
+                <a:solidFill>
+                  <a:schemeClr val="tx1"/>
+                </a:solidFill>
+                <a:latin typeface="+mn-lt"/>
+                <a:ea typeface="+mn-ea"/>
+                <a:cs typeface="+mn-cs"/>
+              </a:defRPr>
+            </a:lvl2pPr>
+            <a:lvl3pPr marL="731520" indent="-228600" algn="l" defTabSz="914400" rtl="0" eaLnBrk="1" latinLnBrk="0" hangingPunct="1">
+              <a:lnSpc>
+                <a:spcPct val="90000"/>
+              </a:lnSpc>
+              <a:spcBef>
+                <a:spcPts val="600"/>
+              </a:spcBef>
+              <a:buFont typeface="Arial" panose="020B0604020202020204" pitchFamily="34" charset="0"/>
+              <a:buChar char="•"/>
+              <a:defRPr sz="1800" kern="1200">
+                <a:solidFill>
+                  <a:schemeClr val="tx1"/>
+                </a:solidFill>
+                <a:latin typeface="+mn-lt"/>
+                <a:ea typeface="+mn-ea"/>
+                <a:cs typeface="+mn-cs"/>
+              </a:defRPr>
+            </a:lvl3pPr>
+            <a:lvl4pPr marL="1005840" indent="-228600" algn="l" defTabSz="914400" rtl="0" eaLnBrk="1" latinLnBrk="0" hangingPunct="1">
+              <a:lnSpc>
+                <a:spcPct val="90000"/>
+              </a:lnSpc>
+              <a:spcBef>
+                <a:spcPts val="600"/>
+              </a:spcBef>
+              <a:buFont typeface="Arial" panose="020B0604020202020204" pitchFamily="34" charset="0"/>
+              <a:buChar char="•"/>
+              <a:defRPr sz="1600" kern="1200">
+                <a:solidFill>
+                  <a:schemeClr val="tx1"/>
+                </a:solidFill>
+                <a:latin typeface="+mn-lt"/>
+                <a:ea typeface="+mn-ea"/>
+                <a:cs typeface="+mn-cs"/>
+              </a:defRPr>
+            </a:lvl4pPr>
+            <a:lvl5pPr marL="1280160" indent="-228600" algn="l" defTabSz="914400" rtl="0" eaLnBrk="1" latinLnBrk="0" hangingPunct="1">
+              <a:lnSpc>
+                <a:spcPct val="90000"/>
+              </a:lnSpc>
+              <a:spcBef>
+                <a:spcPts val="600"/>
+              </a:spcBef>
+              <a:buFont typeface="Arial" panose="020B0604020202020204" pitchFamily="34" charset="0"/>
+              <a:buChar char="•"/>
+              <a:defRPr sz="1600" kern="1200">
+                <a:solidFill>
+                  <a:schemeClr val="tx1"/>
+                </a:solidFill>
+                <a:latin typeface="+mn-lt"/>
+                <a:ea typeface="+mn-ea"/>
+                <a:cs typeface="+mn-cs"/>
+              </a:defRPr>
+            </a:lvl5pPr>
+            <a:lvl6pPr marL="1554480" indent="-228600" algn="l" defTabSz="914400" rtl="0" eaLnBrk="1" latinLnBrk="0" hangingPunct="1">
+              <a:lnSpc>
+                <a:spcPct val="90000"/>
+              </a:lnSpc>
+              <a:spcBef>
+                <a:spcPts val="600"/>
+              </a:spcBef>
+              <a:buFont typeface="Arial" panose="020B0604020202020204" pitchFamily="34" charset="0"/>
+              <a:buChar char="•"/>
+              <a:defRPr sz="1600" kern="1200">
+                <a:solidFill>
+                  <a:schemeClr val="tx1"/>
+                </a:solidFill>
+                <a:latin typeface="+mn-lt"/>
+                <a:ea typeface="+mn-ea"/>
+                <a:cs typeface="+mn-cs"/>
+              </a:defRPr>
+            </a:lvl6pPr>
+            <a:lvl7pPr marL="1828800" indent="-228600" algn="l" defTabSz="914400" rtl="0" eaLnBrk="1" latinLnBrk="0" hangingPunct="1">
+              <a:lnSpc>
+                <a:spcPct val="90000"/>
+              </a:lnSpc>
+              <a:spcBef>
+                <a:spcPts val="600"/>
+              </a:spcBef>
+              <a:buFont typeface="Arial" panose="020B0604020202020204" pitchFamily="34" charset="0"/>
+              <a:buChar char="•"/>
+              <a:defRPr sz="1600" kern="1200">
+                <a:solidFill>
+                  <a:schemeClr val="tx1"/>
+                </a:solidFill>
+                <a:latin typeface="+mn-lt"/>
+                <a:ea typeface="+mn-ea"/>
+                <a:cs typeface="+mn-cs"/>
+              </a:defRPr>
+            </a:lvl7pPr>
+            <a:lvl8pPr marL="2148840" indent="-228600" algn="l" defTabSz="914400" rtl="0" eaLnBrk="1" latinLnBrk="0" hangingPunct="1">
+              <a:lnSpc>
+                <a:spcPct val="90000"/>
+              </a:lnSpc>
+              <a:spcBef>
+                <a:spcPts val="600"/>
+              </a:spcBef>
+              <a:buFont typeface="Arial" panose="020B0604020202020204" pitchFamily="34" charset="0"/>
+              <a:buChar char="•"/>
+              <a:defRPr sz="1600" kern="1200">
+                <a:solidFill>
+                  <a:schemeClr val="tx1"/>
+                </a:solidFill>
+                <a:latin typeface="+mn-lt"/>
+                <a:ea typeface="+mn-ea"/>
+                <a:cs typeface="+mn-cs"/>
+              </a:defRPr>
+            </a:lvl8pPr>
+            <a:lvl9pPr marL="2423160" indent="-228600" algn="l" defTabSz="914400" rtl="0" eaLnBrk="1" latinLnBrk="0" hangingPunct="1">
+              <a:lnSpc>
+                <a:spcPct val="90000"/>
+              </a:lnSpc>
+              <a:spcBef>
+                <a:spcPts val="600"/>
+              </a:spcBef>
+              <a:buFont typeface="Arial" panose="020B0604020202020204" pitchFamily="34" charset="0"/>
+              <a:buChar char="•"/>
+              <a:defRPr sz="1600" kern="1200">
+                <a:solidFill>
+                  <a:schemeClr val="tx1"/>
+                </a:solidFill>
+                <a:latin typeface="+mn-lt"/>
+                <a:ea typeface="+mn-ea"/>
+                <a:cs typeface="+mn-cs"/>
+              </a:defRPr>
+            </a:lvl9pPr>
+          </a:lstStyle>
+          <a:p>
+            <a:pPr marL="0" indent="0">
+              <a:buNone/>
+            </a:pPr>
+            <a:r>
+              <a:rPr lang="en-US" sz="1800" dirty="0"/>
+              <a:t>By Free Knowledge Mission</a:t>
+            </a:r>
+          </a:p>
+        </p:txBody>
+      </p:sp>
+      <p:pic>
+        <p:nvPicPr>
+          <p:cNvPr id="1028" name="Picture 4" descr="Image result for singing">
+            <a:extLst>
+              <a:ext uri="{FF2B5EF4-FFF2-40B4-BE49-F238E27FC236}">
+                <a16:creationId xmlns:a16="http://schemas.microsoft.com/office/drawing/2014/main" id="{905F8AF5-A0F4-4CA3-8DA4-72778A5F82B8}"/>
+              </a:ext>
+            </a:extLst>
+          </p:cNvPr>
+          <p:cNvPicPr>
+            <a:picLocks noChangeAspect="1" noChangeArrowheads="1"/>
+          </p:cNvPicPr>
+          <p:nvPr/>
+        </p:nvPicPr>
+        <p:blipFill>
+          <a:blip r:embed="rId2">
+            <a:extLst>
+              <a:ext uri="{28A0092B-C50C-407E-A947-70E740481C1C}">
+                <a14:useLocalDpi xmlns:a14="http://schemas.microsoft.com/office/drawing/2010/main" val="0"/>
+              </a:ext>
+            </a:extLst>
+          </a:blip>
+          <a:srcRect/>
+          <a:stretch>
+            <a:fillRect/>
+          </a:stretch>
+        </p:blipFill>
+        <p:spPr bwMode="auto">
+          <a:xfrm>
+            <a:off x="1298713" y="1600672"/>
+            <a:ext cx="5924274" cy="4608835"/>
+          </a:xfrm>
+          <a:prstGeom prst="rect">
+            <a:avLst/>
+          </a:prstGeom>
+          <a:noFill/>
+          <a:extLst>
+            <a:ext uri="{909E8E84-426E-40DD-AFC4-6F175D3DCCD1}">
+              <a14:hiddenFill xmlns:a14="http://schemas.microsoft.com/office/drawing/2010/main">
+                <a:solidFill>
+                  <a:srgbClr val="FFFFFF"/>
+                </a:solidFill>
+              </a14:hiddenFill>
+            </a:ext>
+          </a:extLst>
+        </p:spPr>
+      </p:pic>
     </p:spTree>
     <p:extLst>
       <p:ext uri="{BB962C8B-B14F-4D97-AF65-F5344CB8AC3E}">
-        <p14:creationId xmlns:p14="http://schemas.microsoft.com/office/powerpoint/2010/main" val="2437255608"/>
+        <p14:creationId xmlns:p14="http://schemas.microsoft.com/office/powerpoint/2010/main" val="1790713602"/>
       </p:ext>
     </p:extLst>
   </p:cSld>
@@ -5838,97 +6098,85 @@
           <a:p>
             <a:r>
               <a:rPr lang="en-US" dirty="0"/>
-              <a:t>Warm Up </a:t>
-            </a:r>
-            <a:r>
-              <a:rPr lang="en-US" dirty="0" err="1"/>
-              <a:t>Excercises</a:t>
-            </a:r>
-            <a:endParaRPr lang="en-US" dirty="0"/>
-          </a:p>
-        </p:txBody>
-      </p:sp>
-      <p:sp>
-        <p:nvSpPr>
-          <p:cNvPr id="3" name="Content Placeholder 2"/>
+              <a:t>Head Voice</a:t>
+            </a:r>
+          </a:p>
+        </p:txBody>
+      </p:sp>
+      <p:sp>
+        <p:nvSpPr>
+          <p:cNvPr id="4" name="Text Placeholder 3"/>
           <p:cNvSpPr>
             <a:spLocks noGrp="1"/>
           </p:cNvSpPr>
           <p:nvPr>
-            <p:ph idx="1"/>
+            <p:ph type="body" sz="half" idx="2"/>
           </p:nvPr>
         </p:nvSpPr>
-        <p:spPr/>
+        <p:spPr>
+          <a:xfrm>
+            <a:off x="1371600" y="1905000"/>
+            <a:ext cx="9448799" cy="4419600"/>
+          </a:xfrm>
+        </p:spPr>
         <p:txBody>
           <a:bodyPr/>
           <a:lstStyle/>
           <a:p>
             <a:r>
               <a:rPr lang="en-US" dirty="0"/>
-              <a:t>Shake it off – Release your tension</a:t>
-            </a:r>
-          </a:p>
-          <a:p>
-            <a:r>
-              <a:rPr lang="en-US" dirty="0"/>
-              <a:t>Stretch out your tongue</a:t>
-            </a:r>
-          </a:p>
-          <a:p>
-            <a:r>
-              <a:rPr lang="en-US" dirty="0"/>
-              <a:t>Bubbles over the hill – low, medium, high then the whole range</a:t>
-            </a:r>
-          </a:p>
-          <a:p>
-            <a:r>
-              <a:rPr lang="en-US" dirty="0"/>
-              <a:t>Ring for resonance – Mm </a:t>
-            </a:r>
-            <a:r>
-              <a:rPr lang="en-US" dirty="0" err="1"/>
-              <a:t>Mmm</a:t>
-            </a:r>
-            <a:r>
-              <a:rPr lang="en-US" dirty="0"/>
-              <a:t> over the hill</a:t>
-            </a:r>
-          </a:p>
-          <a:p>
-            <a:r>
-              <a:rPr lang="en-US" dirty="0"/>
-              <a:t>Perform a scale with Go, Gee, Ga, Goo – G opens the throat + plus vowels sounds</a:t>
-            </a:r>
-          </a:p>
-          <a:p>
-            <a:r>
-              <a:rPr lang="en-US" dirty="0" err="1"/>
-              <a:t>Lazify</a:t>
-            </a:r>
-            <a:r>
-              <a:rPr lang="en-US" dirty="0"/>
-              <a:t> your jaw and tongue – blah, blah, blah </a:t>
-            </a:r>
-          </a:p>
-          <a:p>
-            <a:pPr lvl="1"/>
-            <a:r>
-              <a:rPr lang="en-US" dirty="0"/>
-              <a:t>Stick out your tongue  like the doctor</a:t>
-            </a:r>
-          </a:p>
-          <a:p>
-            <a:r>
-              <a:rPr lang="en-US" dirty="0"/>
-              <a:t>Opera over the hill – Siren – NG sound</a:t>
-            </a:r>
+              <a:t>Higher range – Sounds breathy, weaker, and thinner</a:t>
+            </a:r>
+          </a:p>
+          <a:p>
+            <a:pPr marL="342900" indent="-342900">
+              <a:buFont typeface="Arial" panose="020B0604020202020204" pitchFamily="34" charset="0"/>
+              <a:buChar char="•"/>
+            </a:pPr>
+            <a:r>
+              <a:rPr lang="en-US" dirty="0"/>
+              <a:t>Buzzing on top of head or near your eyes and nose</a:t>
+            </a:r>
+          </a:p>
+          <a:p>
+            <a:endParaRPr lang="en-US" dirty="0"/>
+          </a:p>
+          <a:p>
+            <a:r>
+              <a:rPr lang="en-US" dirty="0"/>
+              <a:t>Do a pre yawn stretch – Practice with “Nor, Nor, Nor”</a:t>
+            </a:r>
+          </a:p>
+          <a:p>
+            <a:endParaRPr lang="en-US" dirty="0"/>
+          </a:p>
+          <a:p>
+            <a:r>
+              <a:rPr lang="en-US" dirty="0"/>
+              <a:t>Whoop, Whoop, Whoop descending scale</a:t>
+            </a:r>
+          </a:p>
+          <a:p>
+            <a:endParaRPr lang="en-US" dirty="0"/>
+          </a:p>
+          <a:p>
+            <a:endParaRPr lang="en-US" dirty="0"/>
+          </a:p>
+          <a:p>
+            <a:r>
+              <a:rPr lang="en-US" dirty="0"/>
+              <a:t>Middle or Mixed voice – In between chest voice and head voice</a:t>
+            </a:r>
+          </a:p>
+          <a:p>
+            <a:endParaRPr lang="en-US" dirty="0"/>
           </a:p>
         </p:txBody>
       </p:sp>
     </p:spTree>
     <p:extLst>
       <p:ext uri="{BB962C8B-B14F-4D97-AF65-F5344CB8AC3E}">
-        <p14:creationId xmlns:p14="http://schemas.microsoft.com/office/powerpoint/2010/main" val="1103378556"/>
+        <p14:creationId xmlns:p14="http://schemas.microsoft.com/office/powerpoint/2010/main" val="2799566837"/>
       </p:ext>
     </p:extLst>
   </p:cSld>
@@ -5984,63 +6232,99 @@
           <a:p>
             <a:r>
               <a:rPr lang="en-US" dirty="0"/>
-              <a:t>Practice</a:t>
-            </a:r>
-          </a:p>
-        </p:txBody>
-      </p:sp>
-      <p:sp>
-        <p:nvSpPr>
-          <p:cNvPr id="4" name="Text Placeholder 3"/>
+              <a:t>Warm Up Exercises</a:t>
+            </a:r>
+          </a:p>
+        </p:txBody>
+      </p:sp>
+      <p:sp>
+        <p:nvSpPr>
+          <p:cNvPr id="3" name="Content Placeholder 2"/>
           <p:cNvSpPr>
             <a:spLocks noGrp="1"/>
           </p:cNvSpPr>
           <p:nvPr>
-            <p:ph type="body" sz="half" idx="2"/>
+            <p:ph idx="1"/>
           </p:nvPr>
         </p:nvSpPr>
-        <p:spPr>
-          <a:xfrm>
-            <a:off x="1371600" y="1905000"/>
-            <a:ext cx="9448799" cy="4419600"/>
-          </a:xfrm>
-        </p:spPr>
+        <p:spPr/>
         <p:txBody>
           <a:bodyPr/>
           <a:lstStyle/>
           <a:p>
             <a:r>
               <a:rPr lang="en-US" dirty="0"/>
-              <a:t>Find a coach you like on YouTube</a:t>
-            </a:r>
-          </a:p>
-          <a:p>
-            <a:r>
-              <a:rPr lang="en-US" dirty="0"/>
-              <a:t>Practice the scales they teach you</a:t>
-            </a:r>
-          </a:p>
-          <a:p>
-            <a:r>
-              <a:rPr lang="en-US" dirty="0"/>
-              <a:t>Find your favorite music artist in your range</a:t>
-            </a:r>
-          </a:p>
-          <a:p>
-            <a:r>
-              <a:rPr lang="en-US" dirty="0"/>
-              <a:t>Practice Happy Birthday </a:t>
-            </a:r>
-          </a:p>
-          <a:p>
-            <a:endParaRPr lang="en-US" dirty="0"/>
+              <a:t>Shake it off – Release your tension</a:t>
+            </a:r>
+          </a:p>
+          <a:p>
+            <a:r>
+              <a:rPr lang="en-US" dirty="0"/>
+              <a:t>Stretch out your tongue</a:t>
+            </a:r>
+          </a:p>
+          <a:p>
+            <a:pPr lvl="1"/>
+            <a:r>
+              <a:rPr lang="en-US" dirty="0"/>
+              <a:t>Stick out your tongue  like the doctor</a:t>
+            </a:r>
+          </a:p>
+          <a:p>
+            <a:pPr lvl="1"/>
+            <a:r>
+              <a:rPr lang="en-US" dirty="0"/>
+              <a:t>Roll tongue 5 times each direction</a:t>
+            </a:r>
+          </a:p>
+          <a:p>
+            <a:r>
+              <a:rPr lang="en-US" dirty="0"/>
+              <a:t>Bubbles over the hill – low, medium, high then the whole range</a:t>
+            </a:r>
+          </a:p>
+          <a:p>
+            <a:r>
+              <a:rPr lang="en-US" dirty="0"/>
+              <a:t>Ring for resonance – Mm </a:t>
+            </a:r>
+            <a:r>
+              <a:rPr lang="en-US" dirty="0" err="1"/>
+              <a:t>Mmm</a:t>
+            </a:r>
+            <a:r>
+              <a:rPr lang="en-US" dirty="0"/>
+              <a:t> over the hill</a:t>
+            </a:r>
+          </a:p>
+          <a:p>
+            <a:r>
+              <a:rPr lang="en-US" dirty="0"/>
+              <a:t>Perform a scale with Go, Gee, Ga, Goo – G opens the throat + plus vowels sounds</a:t>
+            </a:r>
+          </a:p>
+          <a:p>
+            <a:r>
+              <a:rPr lang="en-US" dirty="0" err="1"/>
+              <a:t>Lazify</a:t>
+            </a:r>
+            <a:r>
+              <a:rPr lang="en-US" dirty="0"/>
+              <a:t> your jaw and tongue – blah, blah, blah </a:t>
+            </a:r>
+          </a:p>
+          <a:p>
+            <a:r>
+              <a:rPr lang="en-US" dirty="0"/>
+              <a:t>Opera over the hill – Siren – NG sound</a:t>
+            </a:r>
           </a:p>
         </p:txBody>
       </p:sp>
     </p:spTree>
     <p:extLst>
       <p:ext uri="{BB962C8B-B14F-4D97-AF65-F5344CB8AC3E}">
-        <p14:creationId xmlns:p14="http://schemas.microsoft.com/office/powerpoint/2010/main" val="4289189594"/>
+        <p14:creationId xmlns:p14="http://schemas.microsoft.com/office/powerpoint/2010/main" val="1103378556"/>
       </p:ext>
     </p:extLst>
   </p:cSld>
@@ -6096,7 +6380,119 @@
           <a:p>
             <a:r>
               <a:rPr lang="en-US" dirty="0"/>
-              <a:t>Resources</a:t>
+              <a:t>Practice</a:t>
+            </a:r>
+          </a:p>
+        </p:txBody>
+      </p:sp>
+      <p:sp>
+        <p:nvSpPr>
+          <p:cNvPr id="4" name="Text Placeholder 3"/>
+          <p:cNvSpPr>
+            <a:spLocks noGrp="1"/>
+          </p:cNvSpPr>
+          <p:nvPr>
+            <p:ph type="body" sz="half" idx="2"/>
+          </p:nvPr>
+        </p:nvSpPr>
+        <p:spPr>
+          <a:xfrm>
+            <a:off x="1371600" y="1905000"/>
+            <a:ext cx="9448799" cy="4419600"/>
+          </a:xfrm>
+        </p:spPr>
+        <p:txBody>
+          <a:bodyPr/>
+          <a:lstStyle/>
+          <a:p>
+            <a:r>
+              <a:rPr lang="en-US" dirty="0"/>
+              <a:t>Find a coach you like on YouTube</a:t>
+            </a:r>
+          </a:p>
+          <a:p>
+            <a:r>
+              <a:rPr lang="en-US" dirty="0"/>
+              <a:t>Practice the scales they teach you</a:t>
+            </a:r>
+          </a:p>
+          <a:p>
+            <a:r>
+              <a:rPr lang="en-US" dirty="0"/>
+              <a:t>Find your favorite music artist in your range</a:t>
+            </a:r>
+          </a:p>
+          <a:p>
+            <a:r>
+              <a:rPr lang="en-US" dirty="0"/>
+              <a:t>Practice Happy Birthday </a:t>
+            </a:r>
+          </a:p>
+          <a:p>
+            <a:endParaRPr lang="en-US" dirty="0"/>
+          </a:p>
+        </p:txBody>
+      </p:sp>
+    </p:spTree>
+    <p:extLst>
+      <p:ext uri="{BB962C8B-B14F-4D97-AF65-F5344CB8AC3E}">
+        <p14:creationId xmlns:p14="http://schemas.microsoft.com/office/powerpoint/2010/main" val="4289189594"/>
+      </p:ext>
+    </p:extLst>
+  </p:cSld>
+  <p:clrMapOvr>
+    <a:masterClrMapping/>
+  </p:clrMapOvr>
+  <mc:AlternateContent xmlns:mc="http://schemas.openxmlformats.org/markup-compatibility/2006" xmlns:p14="http://schemas.microsoft.com/office/powerpoint/2010/main">
+    <mc:Choice Requires="p14">
+      <p:transition spd="med" p14:dur="700">
+        <p:fade/>
+      </p:transition>
+    </mc:Choice>
+    <mc:Fallback xmlns="">
+      <p:transition spd="med">
+        <p:fade/>
+      </p:transition>
+    </mc:Fallback>
+  </mc:AlternateContent>
+</p:sld>
+</file>
+
+<file path=ppt/slides/slide13.xml><?xml version="1.0" encoding="utf-8"?>
+<p:sld xmlns:a="http://schemas.openxmlformats.org/drawingml/2006/main" xmlns:r="http://schemas.openxmlformats.org/officeDocument/2006/relationships" xmlns:p="http://schemas.openxmlformats.org/presentationml/2006/main">
+  <p:cSld>
+    <p:spTree>
+      <p:nvGrpSpPr>
+        <p:cNvPr id="1" name=""/>
+        <p:cNvGrpSpPr/>
+        <p:nvPr/>
+      </p:nvGrpSpPr>
+      <p:grpSpPr>
+        <a:xfrm>
+          <a:off x="0" y="0"/>
+          <a:ext cx="0" cy="0"/>
+          <a:chOff x="0" y="0"/>
+          <a:chExt cx="0" cy="0"/>
+        </a:xfrm>
+      </p:grpSpPr>
+      <p:sp>
+        <p:nvSpPr>
+          <p:cNvPr id="2" name="Title 1"/>
+          <p:cNvSpPr>
+            <a:spLocks noGrp="1"/>
+          </p:cNvSpPr>
+          <p:nvPr>
+            <p:ph type="title"/>
+          </p:nvPr>
+        </p:nvSpPr>
+        <p:spPr/>
+        <p:txBody>
+          <a:bodyPr/>
+          <a:lstStyle/>
+          <a:p>
+            <a:r>
+              <a:rPr lang="en-US" dirty="0"/>
+              <a:t>References</a:t>
             </a:r>
           </a:p>
         </p:txBody>
@@ -6208,7 +6604,7 @@
         <p:spPr/>
         <p:txBody>
           <a:bodyPr>
-            <a:normAutofit lnSpcReduction="10000"/>
+            <a:normAutofit fontScale="92500" lnSpcReduction="10000"/>
           </a:bodyPr>
           <a:lstStyle/>
           <a:p>
@@ -6251,6 +6647,12 @@
             <a:r>
               <a:rPr lang="en-US" dirty="0"/>
               <a:t>Chest Voice</a:t>
+            </a:r>
+          </a:p>
+          <a:p>
+            <a:r>
+              <a:rPr lang="en-US" dirty="0"/>
+              <a:t>Middle Voice</a:t>
             </a:r>
           </a:p>
           <a:p>
@@ -6840,17 +7242,13 @@
           <a:p>
             <a:r>
               <a:rPr lang="en-US" dirty="0"/>
-              <a:t>Descending Major Triad – Chord used when practicing a scale</a:t>
-            </a:r>
-          </a:p>
-          <a:p>
-            <a:r>
-              <a:rPr lang="en-US" dirty="0" err="1"/>
-              <a:t>Decending</a:t>
-            </a:r>
-            <a:r>
-              <a:rPr lang="en-US" dirty="0"/>
-              <a:t>/Ascending Arpeggio Scale – Chords played in succession </a:t>
+              <a:t>Descending/Ascending Major Triad – Chord used when practicing a scale</a:t>
+            </a:r>
+          </a:p>
+          <a:p>
+            <a:r>
+              <a:rPr lang="en-US" dirty="0"/>
+              <a:t>Descending/Ascending Arpeggio Scale – Chords played in succession </a:t>
             </a:r>
           </a:p>
           <a:p>
@@ -7218,7 +7616,7 @@
           <a:p>
             <a:r>
               <a:rPr lang="en-US" dirty="0"/>
-              <a:t>Chest Voice</a:t>
+              <a:t>Chest Voice – 3 tips</a:t>
             </a:r>
           </a:p>
         </p:txBody>
@@ -7261,9 +7659,6 @@
             </a:r>
           </a:p>
           <a:p>
-            <a:endParaRPr lang="en-US" dirty="0"/>
-          </a:p>
-          <a:p>
             <a:r>
               <a:rPr lang="en-US" dirty="0"/>
               <a:t>It’s not about pushing; it’s about support</a:t>
@@ -7280,9 +7675,6 @@
             </a:r>
           </a:p>
           <a:p>
-            <a:endParaRPr lang="en-US" dirty="0"/>
-          </a:p>
-          <a:p>
             <a:r>
               <a:rPr lang="en-US" dirty="0"/>
               <a:t>It’s not about louder; it’s about resonance </a:t>
@@ -7307,6 +7699,25 @@
               <a:rPr lang="en-US" dirty="0"/>
               <a:t>Sound like your shouting</a:t>
             </a:r>
+          </a:p>
+          <a:p>
+            <a:r>
+              <a:rPr lang="en-US" dirty="0"/>
+              <a:t>Low Crying Sound – Ma </a:t>
+            </a:r>
+            <a:r>
+              <a:rPr lang="en-US" dirty="0" err="1"/>
+              <a:t>Ma</a:t>
+            </a:r>
+            <a:r>
+              <a:rPr lang="en-US" dirty="0"/>
+              <a:t> </a:t>
+            </a:r>
+            <a:r>
+              <a:rPr lang="en-US" dirty="0" err="1"/>
+              <a:t>Ma</a:t>
+            </a:r>
+            <a:endParaRPr lang="en-US" dirty="0"/>
           </a:p>
           <a:p>
             <a:endParaRPr lang="en-US" dirty="0"/>
@@ -7363,7 +7774,13 @@
       </p:grpSpPr>
       <p:sp>
         <p:nvSpPr>
-          <p:cNvPr id="2" name="Title 1"/>
+          <p:cNvPr id="2" name="Title 1">
+            <a:extLst>
+              <a:ext uri="{FF2B5EF4-FFF2-40B4-BE49-F238E27FC236}">
+                <a16:creationId xmlns:a16="http://schemas.microsoft.com/office/drawing/2014/main" id="{9D8F0E01-3BF3-4A74-8A25-E7421CF1F1AF}"/>
+              </a:ext>
+            </a:extLst>
+          </p:cNvPr>
           <p:cNvSpPr>
             <a:spLocks noGrp="1"/>
           </p:cNvSpPr>
@@ -7378,14 +7795,20 @@
           <a:p>
             <a:r>
               <a:rPr lang="en-US" dirty="0"/>
-              <a:t>Head Voice</a:t>
-            </a:r>
-          </a:p>
-        </p:txBody>
-      </p:sp>
-      <p:sp>
-        <p:nvSpPr>
-          <p:cNvPr id="4" name="Text Placeholder 3"/>
+              <a:t>Middle Voice</a:t>
+            </a:r>
+          </a:p>
+        </p:txBody>
+      </p:sp>
+      <p:sp>
+        <p:nvSpPr>
+          <p:cNvPr id="5" name="Text Placeholder 3">
+            <a:extLst>
+              <a:ext uri="{FF2B5EF4-FFF2-40B4-BE49-F238E27FC236}">
+                <a16:creationId xmlns:a16="http://schemas.microsoft.com/office/drawing/2014/main" id="{0FFC5DE0-FC32-4403-B45F-E7B494FBBF50}"/>
+              </a:ext>
+            </a:extLst>
+          </p:cNvPr>
           <p:cNvSpPr>
             <a:spLocks noGrp="1"/>
           </p:cNvSpPr>
@@ -7405,48 +7828,71 @@
           <a:p>
             <a:r>
               <a:rPr lang="en-US" dirty="0"/>
-              <a:t>Higher range – Sounds breathy, weaker, and thinner</a:t>
-            </a:r>
+              <a:t>Mixed voice – In between chest voice and head voice</a:t>
+            </a:r>
+          </a:p>
+          <a:p>
+            <a:endParaRPr lang="en-US" dirty="0"/>
+          </a:p>
+          <a:p>
+            <a:r>
+              <a:rPr lang="en-US" dirty="0"/>
+              <a:t>Strengthen head voice</a:t>
+            </a:r>
+          </a:p>
+          <a:p>
+            <a:endParaRPr lang="en-US" dirty="0"/>
+          </a:p>
+          <a:p>
+            <a:r>
+              <a:rPr lang="en-US" dirty="0"/>
+              <a:t>Lighten chest voice – Bah, Bah, Bah, Bah</a:t>
+            </a:r>
+            <a:r>
+              <a:rPr lang="en-US"/>
+              <a:t>, Bah, Baha</a:t>
+            </a:r>
+            <a:endParaRPr lang="en-US" dirty="0"/>
           </a:p>
           <a:p>
             <a:pPr marL="342900" indent="-342900">
               <a:buFont typeface="Arial" panose="020B0604020202020204" pitchFamily="34" charset="0"/>
               <a:buChar char="•"/>
             </a:pPr>
-            <a:r>
-              <a:rPr lang="en-US" dirty="0"/>
-              <a:t>Buzzing on top of head or near your eyes and nose</a:t>
-            </a:r>
-          </a:p>
-          <a:p>
             <a:endParaRPr lang="en-US" dirty="0"/>
           </a:p>
           <a:p>
             <a:r>
               <a:rPr lang="en-US" dirty="0"/>
-              <a:t>Do a pre yawn stretch – Practice with “Nor, Nor, Nor”</a:t>
-            </a:r>
-          </a:p>
-          <a:p>
+              <a:t>Exercise – Twang </a:t>
+            </a:r>
+          </a:p>
+          <a:p>
+            <a:pPr marL="342900" indent="-342900">
+              <a:buFont typeface="Arial" panose="020B0604020202020204" pitchFamily="34" charset="0"/>
+              <a:buChar char="•"/>
+            </a:pPr>
+            <a:r>
+              <a:rPr lang="en-US" dirty="0" err="1"/>
+              <a:t>Wah</a:t>
+            </a:r>
+            <a:r>
+              <a:rPr lang="en-US" dirty="0"/>
+              <a:t>, </a:t>
+            </a:r>
+            <a:r>
+              <a:rPr lang="en-US" dirty="0" err="1"/>
+              <a:t>Wah</a:t>
+            </a:r>
+            <a:r>
+              <a:rPr lang="en-US" dirty="0"/>
+              <a:t>, </a:t>
+            </a:r>
+            <a:r>
+              <a:rPr lang="en-US" dirty="0" err="1"/>
+              <a:t>Wah</a:t>
+            </a:r>
             <a:endParaRPr lang="en-US" dirty="0"/>
-          </a:p>
-          <a:p>
-            <a:r>
-              <a:rPr lang="en-US" dirty="0"/>
-              <a:t>Whoop, Whoop, Whoop descending scale</a:t>
-            </a:r>
-          </a:p>
-          <a:p>
-            <a:endParaRPr lang="en-US" dirty="0"/>
-          </a:p>
-          <a:p>
-            <a:endParaRPr lang="en-US" dirty="0"/>
-          </a:p>
-          <a:p>
-            <a:r>
-              <a:rPr lang="en-US" dirty="0"/>
-              <a:t>Middle voice – In between chest voice and head voice</a:t>
-            </a:r>
           </a:p>
           <a:p>
             <a:endParaRPr lang="en-US" dirty="0"/>
@@ -7456,7 +7902,7 @@
     </p:spTree>
     <p:extLst>
       <p:ext uri="{BB962C8B-B14F-4D97-AF65-F5344CB8AC3E}">
-        <p14:creationId xmlns:p14="http://schemas.microsoft.com/office/powerpoint/2010/main" val="2799566837"/>
+        <p14:creationId xmlns:p14="http://schemas.microsoft.com/office/powerpoint/2010/main" val="1120355986"/>
       </p:ext>
     </p:extLst>
   </p:cSld>

--- a/Singing Basics 02-03-18/SInging Basics.pptx
+++ b/Singing Basics 02-03-18/SInging Basics.pptx
@@ -5784,9 +5784,10 @@
           </a:lstStyle>
           <a:p>
             <a:r>
-              <a:rPr lang="en-US" sz="4800" dirty="0"/>
-              <a:t>Singing Basics</a:t>
-            </a:r>
+              <a:rPr lang="en-US" sz="4800"/>
+              <a:t>Singing Basics </a:t>
+            </a:r>
+            <a:endParaRPr lang="en-US" sz="4800" dirty="0"/>
           </a:p>
         </p:txBody>
       </p:sp>
